--- a/docs/simpleitkFundamentalConcepts.pptx
+++ b/docs/simpleitkFundamentalConcepts.pptx
@@ -266,7 +266,7 @@
               <a:pPr>
                 <a:defRPr/>
               </a:pPr>
-              <a:t>11/30/17</a:t>
+              <a:t>12/28/17</a:t>
             </a:fld>
             <a:endParaRPr lang="en-US"/>
           </a:p>
@@ -469,7 +469,7 @@
               <a:pPr>
                 <a:defRPr/>
               </a:pPr>
-              <a:t>11/30/17</a:t>
+              <a:t>12/28/17</a:t>
             </a:fld>
             <a:endParaRPr lang="en-US"/>
           </a:p>
@@ -986,7 +986,7 @@
               <a:pPr>
                 <a:defRPr/>
               </a:pPr>
-              <a:t>11/30/17</a:t>
+              <a:t>12/28/17</a:t>
             </a:fld>
             <a:endParaRPr lang="en-US"/>
           </a:p>
@@ -1183,7 +1183,7 @@
               <a:pPr>
                 <a:defRPr/>
               </a:pPr>
-              <a:t>11/30/17</a:t>
+              <a:t>12/28/17</a:t>
             </a:fld>
             <a:endParaRPr lang="en-US"/>
           </a:p>
@@ -1390,7 +1390,7 @@
               <a:pPr>
                 <a:defRPr/>
               </a:pPr>
-              <a:t>11/30/17</a:t>
+              <a:t>12/28/17</a:t>
             </a:fld>
             <a:endParaRPr lang="en-US"/>
           </a:p>
@@ -1656,7 +1656,7 @@
               <a:pPr>
                 <a:defRPr/>
               </a:pPr>
-              <a:t>11/30/17</a:t>
+              <a:t>12/28/17</a:t>
             </a:fld>
             <a:endParaRPr lang="en-US"/>
           </a:p>
@@ -1929,7 +1929,7 @@
               <a:pPr>
                 <a:defRPr/>
               </a:pPr>
-              <a:t>11/30/17</a:t>
+              <a:t>12/28/17</a:t>
             </a:fld>
             <a:endParaRPr lang="en-US"/>
           </a:p>
@@ -2313,7 +2313,7 @@
               <a:pPr>
                 <a:defRPr/>
               </a:pPr>
-              <a:t>11/30/17</a:t>
+              <a:t>12/28/17</a:t>
             </a:fld>
             <a:endParaRPr lang="en-US"/>
           </a:p>
@@ -2831,7 +2831,7 @@
               <a:pPr>
                 <a:defRPr/>
               </a:pPr>
-              <a:t>11/30/17</a:t>
+              <a:t>12/28/17</a:t>
             </a:fld>
             <a:endParaRPr lang="en-US"/>
           </a:p>
@@ -3045,7 +3045,7 @@
               <a:pPr>
                 <a:defRPr/>
               </a:pPr>
-              <a:t>11/30/17</a:t>
+              <a:t>12/28/17</a:t>
             </a:fld>
             <a:endParaRPr lang="en-US"/>
           </a:p>
@@ -3167,7 +3167,7 @@
               <a:pPr>
                 <a:defRPr/>
               </a:pPr>
-              <a:t>11/30/17</a:t>
+              <a:t>12/28/17</a:t>
             </a:fld>
             <a:endParaRPr lang="en-US"/>
           </a:p>
@@ -3471,7 +3471,7 @@
               <a:pPr>
                 <a:defRPr/>
               </a:pPr>
-              <a:t>11/30/17</a:t>
+              <a:t>12/28/17</a:t>
             </a:fld>
             <a:endParaRPr lang="en-US"/>
           </a:p>
@@ -3754,7 +3754,7 @@
               <a:pPr>
                 <a:defRPr/>
               </a:pPr>
-              <a:t>11/30/17</a:t>
+              <a:t>12/28/17</a:t>
             </a:fld>
             <a:endParaRPr lang="en-US"/>
           </a:p>
@@ -4070,7 +4070,7 @@
               <a:pPr>
                 <a:defRPr/>
               </a:pPr>
-              <a:t>11/30/17</a:t>
+              <a:t>12/28/17</a:t>
             </a:fld>
             <a:endParaRPr lang="en-US"/>
           </a:p>
@@ -5203,7 +5203,6 @@
               <a:rPr lang="en-US" dirty="0" smtClean="0"/>
               <a:t>Use origin, size, spacing, and direction cosine. </a:t>
             </a:r>
-            <a:endParaRPr lang="en-US" dirty="0" smtClean="0"/>
           </a:p>
         </p:txBody>
       </p:sp>
@@ -7181,7 +7180,7 @@
           <a:graphicData uri="http://schemas.openxmlformats.org/presentationml/2006/ole">
             <mc:AlternateContent xmlns:mc="http://schemas.openxmlformats.org/markup-compatibility/2006">
               <mc:Choice xmlns:v="urn:schemas-microsoft-com:vml" Requires="v">
-                <p:oleObj spid="_x0000_s1095" name="משוואה" r:id="rId3" imgW="6146640" imgH="812520" progId="Equation.3">
+                <p:oleObj spid="_x0000_s1098" name="משוואה" r:id="rId3" imgW="6146640" imgH="812520" progId="Equation.3">
                   <p:embed/>
                 </p:oleObj>
               </mc:Choice>
@@ -7282,7 +7281,7 @@
           <a:graphicData uri="http://schemas.openxmlformats.org/presentationml/2006/ole">
             <mc:AlternateContent xmlns:mc="http://schemas.openxmlformats.org/markup-compatibility/2006">
               <mc:Choice xmlns:v="urn:schemas-microsoft-com:vml" Requires="v">
-                <p:oleObj spid="_x0000_s1096" name="משוואה" r:id="rId5" imgW="279360" imgH="253800" progId="Equation.3">
+                <p:oleObj spid="_x0000_s1099" name="משוואה" r:id="rId5" imgW="279360" imgH="253800" progId="Equation.3">
                   <p:embed/>
                 </p:oleObj>
               </mc:Choice>
@@ -9440,8 +9439,17 @@
           <a:p>
             <a:r>
               <a:rPr lang="en-US" dirty="0" smtClean="0"/>
-              <a:t>Resampling, three elements: </a:t>
-            </a:r>
+              <a:t>Resampling, </a:t>
+            </a:r>
+            <a:r>
+              <a:rPr lang="en-US" dirty="0" smtClean="0"/>
+              <a:t>three </a:t>
+            </a:r>
+            <a:r>
+              <a:rPr lang="en-US" smtClean="0"/>
+              <a:t>elements (assuming arbitrary interpolation method): </a:t>
+            </a:r>
+            <a:endParaRPr lang="en-US" dirty="0" smtClean="0"/>
           </a:p>
           <a:p>
             <a:pPr marL="800100" lvl="1" indent="-342900">
@@ -9450,35 +9458,7 @@
             </a:pPr>
             <a:r>
               <a:rPr lang="en-US" dirty="0" smtClean="0"/>
-              <a:t>Image </a:t>
-            </a:r>
-            <a:r>
-              <a:rPr lang="en-US" dirty="0" smtClean="0"/>
-              <a:t>– </a:t>
-            </a:r>
-            <a:r>
-              <a:rPr lang="en-US" dirty="0" smtClean="0"/>
-              <a:t>the</a:t>
-            </a:r>
-            <a:r>
-              <a:rPr lang="en-US" dirty="0" smtClean="0"/>
-              <a:t> </a:t>
-            </a:r>
-            <a:r>
-              <a:rPr lang="en-US" dirty="0" smtClean="0"/>
-              <a:t>image </a:t>
-            </a:r>
-            <a:r>
-              <a:rPr lang="en-US" dirty="0" smtClean="0"/>
-              <a:t>we resample in </a:t>
-            </a:r>
-            <a:r>
-              <a:rPr lang="en-US" dirty="0" smtClean="0"/>
-              <a:t>coordinate system </a:t>
-            </a:r>
-            <a:r>
-              <a:rPr lang="en-US" dirty="0" smtClean="0"/>
-              <a:t>m.</a:t>
+              <a:t>Image – the image we resample in coordinate system m.</a:t>
             </a:r>
           </a:p>
           <a:p>
@@ -9488,11 +9468,7 @@
             </a:pPr>
             <a:r>
               <a:rPr lang="en-US" dirty="0" smtClean="0"/>
-              <a:t>transformation </a:t>
-            </a:r>
-            <a:r>
-              <a:rPr lang="en-US" dirty="0" smtClean="0"/>
-              <a:t>– T(</a:t>
+              <a:t>transformation – T(</a:t>
             </a:r>
             <a:r>
               <a:rPr lang="en-US" baseline="30000" dirty="0" err="1" smtClean="0"/>
@@ -9516,11 +9492,7 @@
             </a:r>
             <a:r>
               <a:rPr lang="en-US" dirty="0" smtClean="0"/>
-              <a:t> maps points from coordinate system f to </a:t>
-            </a:r>
-            <a:r>
-              <a:rPr lang="en-US" dirty="0" smtClean="0"/>
-              <a:t>m.</a:t>
+              <a:t> maps points from coordinate system f to m.</a:t>
             </a:r>
           </a:p>
           <a:p>
@@ -9530,26 +9502,22 @@
             </a:pPr>
             <a:r>
               <a:rPr lang="en-US" dirty="0" smtClean="0"/>
-              <a:t>resampling </a:t>
+              <a:t>resampling grid – uniform set of </a:t>
             </a:r>
             <a:r>
               <a:rPr lang="en-US" dirty="0" smtClean="0"/>
-              <a:t>grid – uniform set of point which will be mapped by the </a:t>
+              <a:t>points </a:t>
+            </a:r>
+            <a:r>
+              <a:rPr lang="en-US" dirty="0" smtClean="0"/>
+              <a:t>which will be mapped by the </a:t>
             </a:r>
             <a:br>
               <a:rPr lang="en-US" dirty="0" smtClean="0"/>
             </a:br>
             <a:r>
               <a:rPr lang="en-US" dirty="0" smtClean="0"/>
-              <a:t>                             </a:t>
-            </a:r>
-            <a:r>
-              <a:rPr lang="en-US" dirty="0" smtClean="0"/>
-              <a:t>transformation</a:t>
-            </a:r>
-            <a:r>
-              <a:rPr lang="en-US" dirty="0" smtClean="0"/>
-              <a:t>.</a:t>
+              <a:t>                             transformation.</a:t>
             </a:r>
             <a:endParaRPr lang="en-US" dirty="0"/>
           </a:p>

--- a/docs/simpleitkFundamentalConcepts.pptx
+++ b/docs/simpleitkFundamentalConcepts.pptx
@@ -266,7 +266,7 @@
               <a:pPr>
                 <a:defRPr/>
               </a:pPr>
-              <a:t>12/28/17</a:t>
+              <a:t>1/10/18</a:t>
             </a:fld>
             <a:endParaRPr lang="en-US"/>
           </a:p>
@@ -469,7 +469,7 @@
               <a:pPr>
                 <a:defRPr/>
               </a:pPr>
-              <a:t>12/28/17</a:t>
+              <a:t>1/10/18</a:t>
             </a:fld>
             <a:endParaRPr lang="en-US"/>
           </a:p>
@@ -986,7 +986,7 @@
               <a:pPr>
                 <a:defRPr/>
               </a:pPr>
-              <a:t>12/28/17</a:t>
+              <a:t>1/10/18</a:t>
             </a:fld>
             <a:endParaRPr lang="en-US"/>
           </a:p>
@@ -1183,7 +1183,7 @@
               <a:pPr>
                 <a:defRPr/>
               </a:pPr>
-              <a:t>12/28/17</a:t>
+              <a:t>1/10/18</a:t>
             </a:fld>
             <a:endParaRPr lang="en-US"/>
           </a:p>
@@ -1390,7 +1390,7 @@
               <a:pPr>
                 <a:defRPr/>
               </a:pPr>
-              <a:t>12/28/17</a:t>
+              <a:t>1/10/18</a:t>
             </a:fld>
             <a:endParaRPr lang="en-US"/>
           </a:p>
@@ -1656,7 +1656,7 @@
               <a:pPr>
                 <a:defRPr/>
               </a:pPr>
-              <a:t>12/28/17</a:t>
+              <a:t>1/10/18</a:t>
             </a:fld>
             <a:endParaRPr lang="en-US"/>
           </a:p>
@@ -1929,7 +1929,7 @@
               <a:pPr>
                 <a:defRPr/>
               </a:pPr>
-              <a:t>12/28/17</a:t>
+              <a:t>1/10/18</a:t>
             </a:fld>
             <a:endParaRPr lang="en-US"/>
           </a:p>
@@ -2313,7 +2313,7 @@
               <a:pPr>
                 <a:defRPr/>
               </a:pPr>
-              <a:t>12/28/17</a:t>
+              <a:t>1/10/18</a:t>
             </a:fld>
             <a:endParaRPr lang="en-US"/>
           </a:p>
@@ -2831,7 +2831,7 @@
               <a:pPr>
                 <a:defRPr/>
               </a:pPr>
-              <a:t>12/28/17</a:t>
+              <a:t>1/10/18</a:t>
             </a:fld>
             <a:endParaRPr lang="en-US"/>
           </a:p>
@@ -3045,7 +3045,7 @@
               <a:pPr>
                 <a:defRPr/>
               </a:pPr>
-              <a:t>12/28/17</a:t>
+              <a:t>1/10/18</a:t>
             </a:fld>
             <a:endParaRPr lang="en-US"/>
           </a:p>
@@ -3167,7 +3167,7 @@
               <a:pPr>
                 <a:defRPr/>
               </a:pPr>
-              <a:t>12/28/17</a:t>
+              <a:t>1/10/18</a:t>
             </a:fld>
             <a:endParaRPr lang="en-US"/>
           </a:p>
@@ -3471,7 +3471,7 @@
               <a:pPr>
                 <a:defRPr/>
               </a:pPr>
-              <a:t>12/28/17</a:t>
+              <a:t>1/10/18</a:t>
             </a:fld>
             <a:endParaRPr lang="en-US"/>
           </a:p>
@@ -3754,7 +3754,7 @@
               <a:pPr>
                 <a:defRPr/>
               </a:pPr>
-              <a:t>12/28/17</a:t>
+              <a:t>1/10/18</a:t>
             </a:fld>
             <a:endParaRPr lang="en-US"/>
           </a:p>
@@ -4070,7 +4070,7 @@
               <a:pPr>
                 <a:defRPr/>
               </a:pPr>
-              <a:t>12/28/17</a:t>
+              <a:t>1/10/18</a:t>
             </a:fld>
             <a:endParaRPr lang="en-US"/>
           </a:p>
@@ -5403,8 +5403,8 @@
         </p:nvSpPr>
         <p:spPr>
           <a:xfrm>
-            <a:off x="381000" y="5105400"/>
-            <a:ext cx="7327647" cy="1477328"/>
+            <a:off x="304800" y="4666774"/>
+            <a:ext cx="5245988" cy="1200329"/>
           </a:xfrm>
           <a:prstGeom prst="rect">
             <a:avLst/>
@@ -5421,13 +5421,6 @@
               <a:rPr lang="en-US" dirty="0" smtClean="0"/>
               <a:t>Three coordinate systems: Fixed, Virtual, Moving.</a:t>
             </a:r>
-            <a:br>
-              <a:rPr lang="en-US" dirty="0" smtClean="0"/>
-            </a:br>
-            <a:r>
-              <a:rPr lang="en-US" dirty="0" smtClean="0"/>
-              <a:t>                                            Most often the Fixed and Moving coincide.</a:t>
-            </a:r>
           </a:p>
           <a:p>
             <a:r>
@@ -5543,6 +5536,52 @@
             <a:r>
               <a:rPr lang="en-US" dirty="0" smtClean="0"/>
               <a:t>’</a:t>
+            </a:r>
+            <a:endParaRPr lang="en-US" dirty="0" smtClean="0"/>
+          </a:p>
+        </p:txBody>
+      </p:sp>
+      <p:sp>
+        <p:nvSpPr>
+          <p:cNvPr id="3" name="TextBox 2"/>
+          <p:cNvSpPr txBox="1"/>
+          <p:nvPr/>
+        </p:nvSpPr>
+        <p:spPr>
+          <a:xfrm>
+            <a:off x="76200" y="6324600"/>
+            <a:ext cx="6860211" cy="369332"/>
+          </a:xfrm>
+          <a:prstGeom prst="rect">
+            <a:avLst/>
+          </a:prstGeom>
+          <a:noFill/>
+        </p:spPr>
+        <p:txBody>
+          <a:bodyPr wrap="none" rtlCol="0">
+            <a:spAutoFit/>
+          </a:bodyPr>
+          <a:lstStyle/>
+          <a:p>
+            <a:r>
+              <a:rPr lang="en-US" dirty="0"/>
+              <a:t>Most often </a:t>
+            </a:r>
+            <a:r>
+              <a:rPr lang="en-US" dirty="0" err="1"/>
+              <a:t>T</a:t>
+            </a:r>
+            <a:r>
+              <a:rPr lang="en-US" baseline="-25000" dirty="0" err="1"/>
+              <a:t>f</a:t>
+            </a:r>
+            <a:r>
+              <a:rPr lang="en-US" dirty="0"/>
+              <a:t>=I, the fixed and virtual coordinate systems coincide</a:t>
+            </a:r>
+            <a:r>
+              <a:rPr lang="en-US" dirty="0" smtClean="0"/>
+              <a:t>.</a:t>
             </a:r>
             <a:endParaRPr lang="en-US" dirty="0"/>
           </a:p>
@@ -5815,7 +5854,7 @@
         <p:spPr>
           <a:xfrm>
             <a:off x="4876800" y="5181600"/>
-            <a:ext cx="3549370" cy="707886"/>
+            <a:ext cx="3549370" cy="1015663"/>
           </a:xfrm>
           <a:prstGeom prst="rect">
             <a:avLst/>
@@ -5845,6 +5884,16 @@
             <a:r>
               <a:rPr lang="en-US" sz="2000" dirty="0" smtClean="0"/>
               <a:t>Masks.</a:t>
+            </a:r>
+          </a:p>
+          <a:p>
+            <a:pPr marL="285750" indent="-285750">
+              <a:buFont typeface="Arial" charset="0"/>
+              <a:buChar char="•"/>
+            </a:pPr>
+            <a:r>
+              <a:rPr lang="en-US" sz="2000" dirty="0" smtClean="0"/>
+              <a:t>Sampling strategies.</a:t>
             </a:r>
           </a:p>
         </p:txBody>
@@ -6709,15 +6758,7 @@
             </a:pPr>
             <a:r>
               <a:rPr lang="en-US" sz="2400" dirty="0" smtClean="0"/>
-              <a:t>All global transformation </a:t>
-            </a:r>
-            <a:r>
-              <a:rPr lang="en-US" sz="2400" u="sng" dirty="0" smtClean="0"/>
-              <a:t>except translation </a:t>
-            </a:r>
-            <a:r>
-              <a:rPr lang="en-US" sz="2400" dirty="0" smtClean="0"/>
-              <a:t>are of the form:</a:t>
+              <a:t>All global transformation are of the form*:</a:t>
             </a:r>
           </a:p>
           <a:p>
@@ -6805,6 +6846,40 @@
           </a:p>
         </p:txBody>
       </p:sp>
+      <p:sp>
+        <p:nvSpPr>
+          <p:cNvPr id="5" name="TextBox 4"/>
+          <p:cNvSpPr txBox="1"/>
+          <p:nvPr/>
+        </p:nvSpPr>
+        <p:spPr>
+          <a:xfrm>
+            <a:off x="76200" y="6412468"/>
+            <a:ext cx="2172390" cy="369332"/>
+          </a:xfrm>
+          <a:prstGeom prst="rect">
+            <a:avLst/>
+          </a:prstGeom>
+          <a:noFill/>
+        </p:spPr>
+        <p:txBody>
+          <a:bodyPr wrap="none" rtlCol="0">
+            <a:spAutoFit/>
+          </a:bodyPr>
+          <a:lstStyle/>
+          <a:p>
+            <a:r>
+              <a:rPr lang="en-US" dirty="0" smtClean="0"/>
+              <a:t>*</a:t>
+            </a:r>
+            <a:r>
+              <a:rPr lang="en-US" smtClean="0"/>
+              <a:t>Except translation.</a:t>
+            </a:r>
+            <a:endParaRPr lang="en-US"/>
+          </a:p>
+        </p:txBody>
+      </p:sp>
     </p:spTree>
     <p:extLst>
       <p:ext uri="{BB962C8B-B14F-4D97-AF65-F5344CB8AC3E}">
@@ -7180,7 +7255,7 @@
           <a:graphicData uri="http://schemas.openxmlformats.org/presentationml/2006/ole">
             <mc:AlternateContent xmlns:mc="http://schemas.openxmlformats.org/markup-compatibility/2006">
               <mc:Choice xmlns:v="urn:schemas-microsoft-com:vml" Requires="v">
-                <p:oleObj spid="_x0000_s1098" name="משוואה" r:id="rId3" imgW="6146640" imgH="812520" progId="Equation.3">
+                <p:oleObj spid="_x0000_s1112" name="משוואה" r:id="rId3" imgW="6146640" imgH="812520" progId="Equation.3">
                   <p:embed/>
                 </p:oleObj>
               </mc:Choice>
@@ -7281,7 +7356,7 @@
           <a:graphicData uri="http://schemas.openxmlformats.org/presentationml/2006/ole">
             <mc:AlternateContent xmlns:mc="http://schemas.openxmlformats.org/markup-compatibility/2006">
               <mc:Choice xmlns:v="urn:schemas-microsoft-com:vml" Requires="v">
-                <p:oleObj spid="_x0000_s1099" name="משוואה" r:id="rId5" imgW="279360" imgH="253800" progId="Equation.3">
+                <p:oleObj spid="_x0000_s1113" name="משוואה" r:id="rId5" imgW="279360" imgH="253800" progId="Equation.3">
                   <p:embed/>
                 </p:oleObj>
               </mc:Choice>
@@ -9439,11 +9514,7 @@
           <a:p>
             <a:r>
               <a:rPr lang="en-US" dirty="0" smtClean="0"/>
-              <a:t>Resampling, </a:t>
-            </a:r>
-            <a:r>
-              <a:rPr lang="en-US" dirty="0" smtClean="0"/>
-              <a:t>three </a:t>
+              <a:t>Resampling, three </a:t>
             </a:r>
             <a:r>
               <a:rPr lang="en-US" smtClean="0"/>
@@ -9502,15 +9573,7 @@
             </a:pPr>
             <a:r>
               <a:rPr lang="en-US" dirty="0" smtClean="0"/>
-              <a:t>resampling grid – uniform set of </a:t>
-            </a:r>
-            <a:r>
-              <a:rPr lang="en-US" dirty="0" smtClean="0"/>
-              <a:t>points </a:t>
-            </a:r>
-            <a:r>
-              <a:rPr lang="en-US" dirty="0" smtClean="0"/>
-              <a:t>which will be mapped by the </a:t>
+              <a:t>resampling grid – uniform set of points which will be mapped by the </a:t>
             </a:r>
             <a:br>
               <a:rPr lang="en-US" dirty="0" smtClean="0"/>
